--- a/EX1/CSS STRATEGY.pptx
+++ b/EX1/CSS STRATEGY.pptx
@@ -4361,6 +4361,50 @@
       </p:grpSp>
       <p:sp>
         <p:nvSpPr>
+          <p:cNvPr id="3" name="Rectangle 2">
+            <a:extLst>
+              <a:ext uri="{FF2B5EF4-FFF2-40B4-BE49-F238E27FC236}">
+                <a16:creationId xmlns:a16="http://schemas.microsoft.com/office/drawing/2014/main" id="{57FFE56C-7DE4-B5CA-75D8-9016A74128A1}"/>
+              </a:ext>
+            </a:extLst>
+          </p:cNvPr>
+          <p:cNvSpPr/>
+          <p:nvPr/>
+        </p:nvSpPr>
+        <p:spPr>
+          <a:xfrm>
+            <a:off x="418453" y="360841"/>
+            <a:ext cx="1347934" cy="369332"/>
+          </a:xfrm>
+          <a:prstGeom prst="rect">
+            <a:avLst/>
+          </a:prstGeom>
+        </p:spPr>
+        <p:style>
+          <a:lnRef idx="2">
+            <a:schemeClr val="accent6"/>
+          </a:lnRef>
+          <a:fillRef idx="1">
+            <a:schemeClr val="lt1"/>
+          </a:fillRef>
+          <a:effectRef idx="0">
+            <a:schemeClr val="accent6"/>
+          </a:effectRef>
+          <a:fontRef idx="minor">
+            <a:schemeClr val="dk1"/>
+          </a:fontRef>
+        </p:style>
+        <p:txBody>
+          <a:bodyPr rtlCol="0" anchor="ctr"/>
+          <a:lstStyle/>
+          <a:p>
+            <a:pPr algn="ctr"/>
+            <a:endParaRPr lang="en-KH"/>
+          </a:p>
+        </p:txBody>
+      </p:sp>
+      <p:sp>
+        <p:nvSpPr>
           <p:cNvPr id="10" name="TextBox 9">
             <a:extLst>
               <a:ext uri="{FF2B5EF4-FFF2-40B4-BE49-F238E27FC236}">
@@ -4380,6 +4424,11 @@
             <a:avLst/>
           </a:prstGeom>
           <a:noFill/>
+          <a:ln w="25400">
+            <a:solidFill>
+              <a:schemeClr val="accent2"/>
+            </a:solidFill>
+          </a:ln>
         </p:spPr>
         <p:txBody>
           <a:bodyPr wrap="none" rtlCol="0">
